--- a/Präsentation MSP.pptx
+++ b/Präsentation MSP.pptx
@@ -136,7 +136,7 @@
   </p:defaultTextStyle>
   <p:extLst>
     <p:ext uri="{EFAFB233-063F-42B5-8137-9DF3F51BA10A}">
-      <p15:sldGuideLst xmlns:p15="http://schemas.microsoft.com/office/powerpoint/2012/main" xmlns="">
+      <p15:sldGuideLst xmlns:p15="http://schemas.microsoft.com/office/powerpoint/2012/main">
         <p15:guide id="1" orient="horz" pos="1620">
           <p15:clr>
             <a:srgbClr val="A4A3A4"/>
@@ -150,7 +150,7 @@
       </p15:sldGuideLst>
     </p:ext>
     <p:ext uri="{2D200454-40CA-4A62-9FC3-DE9A4176ACB9}">
-      <p15:notesGuideLst xmlns:p15="http://schemas.microsoft.com/office/powerpoint/2012/main" xmlns="">
+      <p15:notesGuideLst xmlns:p15="http://schemas.microsoft.com/office/powerpoint/2012/main">
         <p15:guide id="1" orient="horz" pos="2880">
           <p15:clr>
             <a:srgbClr val="A4A3A4"/>
@@ -216,6 +216,26 @@
         </a:ln>
         <a:effectLst/>
       </c:spPr>
+      <c:txPr>
+        <a:bodyPr rot="0" spcFirstLastPara="1" vertOverflow="ellipsis" vert="horz" wrap="square" anchor="ctr" anchorCtr="1"/>
+        <a:lstStyle/>
+        <a:p>
+          <a:pPr>
+            <a:defRPr sz="1400" b="0" i="0" u="none" strike="noStrike" kern="1200" spc="0" baseline="0">
+              <a:solidFill>
+                <a:schemeClr val="tx1">
+                  <a:lumMod val="65000"/>
+                  <a:lumOff val="35000"/>
+                </a:schemeClr>
+              </a:solidFill>
+              <a:latin typeface="+mn-lt"/>
+              <a:ea typeface="+mn-ea"/>
+              <a:cs typeface="+mn-cs"/>
+            </a:defRPr>
+          </a:pPr>
+          <a:endParaRPr lang="de-DE"/>
+        </a:p>
+      </c:txPr>
     </c:title>
     <c:autoTitleDeleted val="0"/>
     <c:plotArea>
@@ -427,13 +447,12 @@
           <c:showPercent val="0"/>
           <c:showBubbleSize val="0"/>
         </c:dLbls>
-        <c:marker val="1"/>
         <c:smooth val="0"/>
-        <c:axId val="50456832"/>
-        <c:axId val="50458624"/>
+        <c:axId val="1108299264"/>
+        <c:axId val="1108304160"/>
       </c:lineChart>
       <c:catAx>
-        <c:axId val="50456832"/>
+        <c:axId val="1108299264"/>
         <c:scaling>
           <c:orientation val="minMax"/>
         </c:scaling>
@@ -476,7 +495,7 @@
             <a:endParaRPr lang="de-DE"/>
           </a:p>
         </c:txPr>
-        <c:crossAx val="50458624"/>
+        <c:crossAx val="1108304160"/>
         <c:crosses val="autoZero"/>
         <c:auto val="1"/>
         <c:lblAlgn val="ctr"/>
@@ -484,7 +503,7 @@
         <c:noMultiLvlLbl val="0"/>
       </c:catAx>
       <c:valAx>
-        <c:axId val="50458624"/>
+        <c:axId val="1108304160"/>
         <c:scaling>
           <c:orientation val="minMax"/>
         </c:scaling>
@@ -535,7 +554,7 @@
             <a:endParaRPr lang="de-DE"/>
           </a:p>
         </c:txPr>
-        <c:crossAx val="50456832"/>
+        <c:crossAx val="1108299264"/>
         <c:crosses val="autoZero"/>
         <c:crossBetween val="midCat"/>
       </c:valAx>
@@ -609,7 +628,7 @@
       <a:endParaRPr lang="de-DE"/>
     </a:p>
   </c:txPr>
-  <c:externalData r:id="rId1">
+  <c:externalData r:id="rId3">
     <c:autoUpdate val="0"/>
   </c:externalData>
 </c:chartSpace>
@@ -759,11 +778,11 @@
           <c:showBubbleSize val="0"/>
         </c:dLbls>
         <c:gapWidth val="150"/>
-        <c:axId val="51403776"/>
-        <c:axId val="51405568"/>
+        <c:axId val="1108300352"/>
+        <c:axId val="1108299808"/>
       </c:barChart>
       <c:catAx>
-        <c:axId val="51403776"/>
+        <c:axId val="1108300352"/>
         <c:scaling>
           <c:orientation val="minMax"/>
         </c:scaling>
@@ -773,7 +792,7 @@
         <c:majorTickMark val="out"/>
         <c:minorTickMark val="none"/>
         <c:tickLblPos val="nextTo"/>
-        <c:crossAx val="51405568"/>
+        <c:crossAx val="1108299808"/>
         <c:crosses val="autoZero"/>
         <c:auto val="1"/>
         <c:lblAlgn val="ctr"/>
@@ -781,7 +800,7 @@
         <c:noMultiLvlLbl val="0"/>
       </c:catAx>
       <c:valAx>
-        <c:axId val="51405568"/>
+        <c:axId val="1108299808"/>
         <c:scaling>
           <c:orientation val="minMax"/>
         </c:scaling>
@@ -792,7 +811,7 @@
         <c:majorTickMark val="out"/>
         <c:minorTickMark val="none"/>
         <c:tickLblPos val="nextTo"/>
-        <c:crossAx val="51403776"/>
+        <c:crossAx val="1108300352"/>
         <c:crosses val="autoZero"/>
         <c:crossBetween val="between"/>
       </c:valAx>
@@ -1460,7 +1479,7 @@
           <a:p>
             <a:fld id="{1C75DC86-67AB-423C-919E-9B11F3D2B0EB}" type="datetimeFigureOut">
               <a:rPr lang="de-DE" smtClean="0"/>
-              <a:t>07.07.2017</a:t>
+              <a:t>11.07.2017</a:t>
             </a:fld>
             <a:endParaRPr lang="de-DE" dirty="0"/>
           </a:p>
@@ -1960,6 +1979,27 @@
             </a:r>
           </a:p>
           <a:p>
+            <a:r>
+              <a:rPr lang="de-DE" baseline="0" dirty="0" smtClean="0"/>
+              <a:t>Projekt Struktur Plan </a:t>
+            </a:r>
+            <a:r>
+              <a:rPr lang="de-DE" baseline="0" dirty="0" smtClean="0">
+                <a:sym typeface="Wingdings" panose="05000000000000000000" pitchFamily="2" charset="2"/>
+              </a:rPr>
+              <a:t> noch einmal alle Arbeitspakete zum Verständnis</a:t>
+            </a:r>
+          </a:p>
+          <a:p>
+            <a:r>
+              <a:rPr lang="de-DE" baseline="0" dirty="0" smtClean="0">
+                <a:sym typeface="Wingdings" panose="05000000000000000000" pitchFamily="2" charset="2"/>
+              </a:rPr>
+              <a:t>Ähnlich wie unser Wasserfallmodel, außer Dokumentation ist eine eigene Phase</a:t>
+            </a:r>
+            <a:endParaRPr lang="de-DE" baseline="0" dirty="0" smtClean="0"/>
+          </a:p>
+          <a:p>
             <a:endParaRPr lang="de-DE" baseline="0" dirty="0" smtClean="0"/>
           </a:p>
           <a:p>
@@ -2596,46 +2636,12 @@
             </a:r>
           </a:p>
           <a:p>
-            <a:endParaRPr lang="de-DE" dirty="0" smtClean="0"/>
-          </a:p>
-          <a:p>
-            <a:r>
-              <a:rPr lang="de-DE" dirty="0" smtClean="0"/>
-              <a:t>Top-Down </a:t>
-            </a:r>
-            <a:r>
-              <a:rPr lang="de-DE" dirty="0" smtClean="0">
-                <a:sym typeface="Wingdings" pitchFamily="2" charset="2"/>
-              </a:rPr>
-              <a:t> Erst</a:t>
-            </a:r>
             <a:r>
               <a:rPr lang="de-DE" baseline="0" dirty="0" smtClean="0">
                 <a:sym typeface="Wingdings" pitchFamily="2" charset="2"/>
               </a:rPr>
-              <a:t> abstraktes Modell erstellt, Komplettes Programm direkt geplant  Klassendiagramm</a:t>
-            </a:r>
-          </a:p>
-          <a:p>
-            <a:r>
-              <a:rPr lang="de-DE" u="sng" baseline="0" dirty="0" smtClean="0">
-                <a:sym typeface="Wingdings" pitchFamily="2" charset="2"/>
-              </a:rPr>
-              <a:t>Vorteil:</a:t>
-            </a:r>
-            <a:r>
-              <a:rPr lang="de-DE" u="none" baseline="0" dirty="0" smtClean="0">
-                <a:sym typeface="Wingdings" pitchFamily="2" charset="2"/>
-              </a:rPr>
-              <a:t> </a:t>
-            </a:r>
-          </a:p>
-          <a:p>
-            <a:endParaRPr lang="de-DE" baseline="0" dirty="0" smtClean="0">
-              <a:sym typeface="Wingdings" pitchFamily="2" charset="2"/>
-            </a:endParaRPr>
-          </a:p>
-          <a:p>
+              <a:t>Vorgehensweise </a:t>
+            </a:r>
             <a:r>
               <a:rPr lang="de-DE" baseline="0" dirty="0" err="1" smtClean="0">
                 <a:sym typeface="Wingdings" pitchFamily="2" charset="2"/>
@@ -2646,9 +2652,83 @@
               <a:rPr lang="de-DE" baseline="0" dirty="0" smtClean="0">
                 <a:sym typeface="Wingdings" pitchFamily="2" charset="2"/>
               </a:rPr>
-              <a:t>  Angefangen mit Spezialisierungen z.B. Erst Lagerverwaltung erstellt</a:t>
-            </a:r>
-            <a:endParaRPr lang="de-DE" dirty="0"/>
+              <a:t> Prinzip : (Unten nach Oben)</a:t>
+            </a:r>
+          </a:p>
+          <a:p>
+            <a:r>
+              <a:rPr lang="de-DE" baseline="0" dirty="0" smtClean="0">
+                <a:sym typeface="Wingdings" pitchFamily="2" charset="2"/>
+              </a:rPr>
+              <a:t>Beginnt auf der untersten Ebene  mit Spezialisierungen z.B. Erst Lagerverwaltung erstellt</a:t>
+            </a:r>
+          </a:p>
+          <a:p>
+            <a:r>
+              <a:rPr lang="de-DE" baseline="0" dirty="0" smtClean="0">
+                <a:sym typeface="Wingdings" pitchFamily="2" charset="2"/>
+              </a:rPr>
+              <a:t>Nachteile: Aufgrund Spezialisierung  kann Gefahr entstehen, einzelnen Teilpläne nicht über einstimmen </a:t>
+            </a:r>
+          </a:p>
+          <a:p>
+            <a:r>
+              <a:rPr lang="de-DE" baseline="0" dirty="0" smtClean="0">
+                <a:sym typeface="Wingdings" pitchFamily="2" charset="2"/>
+              </a:rPr>
+              <a:t>z.B. Kasse ist abhängig  von den Produkten aus Lagerverwaltung(andere Struktur im Code oder Datenbank)  Fehler </a:t>
+            </a:r>
+          </a:p>
+          <a:p>
+            <a:r>
+              <a:rPr lang="de-DE" baseline="0" dirty="0" smtClean="0">
+                <a:sym typeface="Wingdings" pitchFamily="2" charset="2"/>
+              </a:rPr>
+              <a:t>führt zu großem Koordinations- und Zeitaufwand  letztendlich keine Zielführung im Projekt</a:t>
+            </a:r>
+            <a:endParaRPr lang="de-DE" dirty="0" smtClean="0"/>
+          </a:p>
+          <a:p>
+            <a:endParaRPr lang="de-DE" dirty="0" smtClean="0"/>
+          </a:p>
+          <a:p>
+            <a:r>
+              <a:rPr lang="de-DE" baseline="0" dirty="0" smtClean="0">
+                <a:sym typeface="Wingdings" pitchFamily="2" charset="2"/>
+              </a:rPr>
+              <a:t>Vorgehensweise </a:t>
+            </a:r>
+            <a:r>
+              <a:rPr lang="de-DE" dirty="0" smtClean="0"/>
+              <a:t>Top-Down Prinzip: (oben nach unten)</a:t>
+            </a:r>
+          </a:p>
+          <a:p>
+            <a:r>
+              <a:rPr lang="de-DE" baseline="0" dirty="0" smtClean="0">
+                <a:sym typeface="Wingdings" pitchFamily="2" charset="2"/>
+              </a:rPr>
+              <a:t>Zu beginn abstraktes Modell erstellt  dann direkt Komplettes Programm geplant  daraus entsteht Klassendiagramm</a:t>
+            </a:r>
+          </a:p>
+          <a:p>
+            <a:r>
+              <a:rPr lang="de-DE" u="sng" baseline="0" dirty="0" smtClean="0">
+                <a:sym typeface="Wingdings" pitchFamily="2" charset="2"/>
+              </a:rPr>
+              <a:t>Vorteile:</a:t>
+            </a:r>
+            <a:r>
+              <a:rPr lang="de-DE" u="none" baseline="0" dirty="0" smtClean="0">
+                <a:sym typeface="Wingdings" pitchFamily="2" charset="2"/>
+              </a:rPr>
+              <a:t> schnelle Planerstellung, aufwendige Koordinationsarbeiten fallen weg  hohe Wahrscheinlichkeit Projektzielführung</a:t>
+            </a:r>
+          </a:p>
+          <a:p>
+            <a:endParaRPr lang="de-DE" baseline="0" dirty="0" smtClean="0">
+              <a:sym typeface="Wingdings" pitchFamily="2" charset="2"/>
+            </a:endParaRPr>
           </a:p>
         </p:txBody>
       </p:sp>
@@ -4409,38 +4489,147 @@
           <a:lstStyle/>
           <a:p>
             <a:r>
-              <a:rPr lang="de-DE" dirty="0" smtClean="0"/>
-              <a:t>Fabian</a:t>
-            </a:r>
-          </a:p>
-          <a:p>
-            <a:endParaRPr lang="de-DE" dirty="0" smtClean="0"/>
-          </a:p>
-          <a:p>
-            <a:r>
-              <a:rPr lang="de-DE" dirty="0" smtClean="0"/>
+              <a:rPr lang="de-DE" sz="1200" dirty="0" smtClean="0">
+                <a:latin typeface="Arial" panose="020B0604020202020204" pitchFamily="34" charset="0"/>
+                <a:cs typeface="Arial" panose="020B0604020202020204" pitchFamily="34" charset="0"/>
+              </a:rPr>
               <a:t>V-Modell</a:t>
             </a:r>
             <a:r>
-              <a:rPr lang="de-DE" baseline="0" dirty="0" smtClean="0"/>
-              <a:t> – Zu viel Aufwand, Nicht flexibel</a:t>
-            </a:r>
-          </a:p>
-          <a:p>
-            <a:r>
-              <a:rPr lang="de-DE" baseline="0" dirty="0" smtClean="0"/>
-              <a:t>Spiralmodell – Hoher Organisatorischer Aufwand</a:t>
-            </a:r>
-          </a:p>
-          <a:p>
-            <a:endParaRPr lang="de-DE" baseline="0" dirty="0" smtClean="0"/>
-          </a:p>
-          <a:p>
-            <a:r>
-              <a:rPr lang="de-DE" baseline="0" dirty="0" smtClean="0"/>
-              <a:t>Wasserfallmodell – linearer Ablauf -&gt; einfache Kontrollierte Planung, Klare Abgrenzung der Phasen</a:t>
-            </a:r>
-            <a:endParaRPr lang="de-DE" dirty="0"/>
+              <a:rPr lang="de-DE" sz="1200" baseline="0" dirty="0" smtClean="0">
+                <a:latin typeface="Arial" panose="020B0604020202020204" pitchFamily="34" charset="0"/>
+                <a:cs typeface="Arial" panose="020B0604020202020204" pitchFamily="34" charset="0"/>
+              </a:rPr>
+              <a:t>, Spiralmodell, Wasserfallmodel(Fabian)</a:t>
+            </a:r>
+            <a:endParaRPr lang="de-DE" sz="1200" dirty="0" smtClean="0">
+              <a:latin typeface="Arial" panose="020B0604020202020204" pitchFamily="34" charset="0"/>
+              <a:cs typeface="Arial" panose="020B0604020202020204" pitchFamily="34" charset="0"/>
+            </a:endParaRPr>
+          </a:p>
+          <a:p>
+            <a:r>
+              <a:rPr lang="de-DE" sz="1200" dirty="0" smtClean="0">
+                <a:latin typeface="Arial" panose="020B0604020202020204" pitchFamily="34" charset="0"/>
+                <a:cs typeface="Arial" panose="020B0604020202020204" pitchFamily="34" charset="0"/>
+              </a:rPr>
+              <a:t>Gegen</a:t>
+            </a:r>
+            <a:r>
+              <a:rPr lang="de-DE" sz="1200" baseline="0" dirty="0" smtClean="0">
+                <a:latin typeface="Arial" panose="020B0604020202020204" pitchFamily="34" charset="0"/>
+                <a:cs typeface="Arial" panose="020B0604020202020204" pitchFamily="34" charset="0"/>
+              </a:rPr>
+              <a:t> das </a:t>
+            </a:r>
+            <a:r>
+              <a:rPr lang="de-DE" sz="1200" dirty="0" smtClean="0">
+                <a:latin typeface="Arial" panose="020B0604020202020204" pitchFamily="34" charset="0"/>
+                <a:cs typeface="Arial" panose="020B0604020202020204" pitchFamily="34" charset="0"/>
+              </a:rPr>
+              <a:t>V-Modell</a:t>
+            </a:r>
+            <a:r>
+              <a:rPr lang="de-DE" sz="1200" baseline="0" dirty="0" smtClean="0">
+                <a:latin typeface="Arial" panose="020B0604020202020204" pitchFamily="34" charset="0"/>
+                <a:cs typeface="Arial" panose="020B0604020202020204" pitchFamily="34" charset="0"/>
+              </a:rPr>
+              <a:t> entschieden</a:t>
+            </a:r>
+          </a:p>
+          <a:p>
+            <a:r>
+              <a:rPr lang="de-DE" sz="1200" baseline="0" dirty="0" smtClean="0">
+                <a:latin typeface="Arial" panose="020B0604020202020204" pitchFamily="34" charset="0"/>
+                <a:cs typeface="Arial" panose="020B0604020202020204" pitchFamily="34" charset="0"/>
+              </a:rPr>
+              <a:t>Nachteile: Hoher Organisatorischer Aufwand, nicht für kleine Projekte geeignet</a:t>
+            </a:r>
+          </a:p>
+          <a:p>
+            <a:endParaRPr lang="de-DE" sz="1200" baseline="0" dirty="0" smtClean="0">
+              <a:latin typeface="Arial" panose="020B0604020202020204" pitchFamily="34" charset="0"/>
+              <a:cs typeface="Arial" panose="020B0604020202020204" pitchFamily="34" charset="0"/>
+            </a:endParaRPr>
+          </a:p>
+          <a:p>
+            <a:r>
+              <a:rPr lang="de-DE" sz="1200" baseline="0" dirty="0" smtClean="0">
+                <a:latin typeface="Arial" panose="020B0604020202020204" pitchFamily="34" charset="0"/>
+                <a:cs typeface="Arial" panose="020B0604020202020204" pitchFamily="34" charset="0"/>
+              </a:rPr>
+              <a:t>Gegen das  Spiralmodell entschieden </a:t>
+            </a:r>
+          </a:p>
+          <a:p>
+            <a:r>
+              <a:rPr lang="de-DE" sz="1200" baseline="0" dirty="0" smtClean="0">
+                <a:latin typeface="Arial" panose="020B0604020202020204" pitchFamily="34" charset="0"/>
+                <a:cs typeface="Arial" panose="020B0604020202020204" pitchFamily="34" charset="0"/>
+              </a:rPr>
+              <a:t>Nachteile: Nicht besonders flexibel gegenüber Ergänzungen,</a:t>
+            </a:r>
+          </a:p>
+          <a:p>
+            <a:r>
+              <a:rPr lang="de-DE" sz="1200" baseline="0" dirty="0" smtClean="0">
+                <a:latin typeface="Arial" panose="020B0604020202020204" pitchFamily="34" charset="0"/>
+                <a:cs typeface="Arial" panose="020B0604020202020204" pitchFamily="34" charset="0"/>
+              </a:rPr>
+              <a:t>Zeitaufwändig in der Darstellung (sehr Ausführlich),  eher für Größere Projekte</a:t>
+            </a:r>
+          </a:p>
+          <a:p>
+            <a:endParaRPr lang="de-DE" sz="1200" baseline="0" dirty="0" smtClean="0">
+              <a:latin typeface="Arial" panose="020B0604020202020204" pitchFamily="34" charset="0"/>
+              <a:cs typeface="Arial" panose="020B0604020202020204" pitchFamily="34" charset="0"/>
+            </a:endParaRPr>
+          </a:p>
+          <a:p>
+            <a:r>
+              <a:rPr lang="de-DE" sz="1200" baseline="0" dirty="0" smtClean="0">
+                <a:latin typeface="Arial" panose="020B0604020202020204" pitchFamily="34" charset="0"/>
+                <a:cs typeface="Arial" panose="020B0604020202020204" pitchFamily="34" charset="0"/>
+              </a:rPr>
+              <a:t>Für das Wasserfallmodell entschieden:</a:t>
+            </a:r>
+          </a:p>
+          <a:p>
+            <a:r>
+              <a:rPr lang="de-DE" sz="1200" baseline="0" dirty="0" smtClean="0">
+                <a:latin typeface="Arial" panose="020B0604020202020204" pitchFamily="34" charset="0"/>
+                <a:cs typeface="Arial" panose="020B0604020202020204" pitchFamily="34" charset="0"/>
+              </a:rPr>
+              <a:t>linearer Ablauf </a:t>
+            </a:r>
+            <a:r>
+              <a:rPr lang="de-DE" sz="1200" baseline="0" dirty="0" smtClean="0">
+                <a:latin typeface="Arial" panose="020B0604020202020204" pitchFamily="34" charset="0"/>
+                <a:cs typeface="Arial" panose="020B0604020202020204" pitchFamily="34" charset="0"/>
+                <a:sym typeface="Wingdings" panose="05000000000000000000" pitchFamily="2" charset="2"/>
+              </a:rPr>
+              <a:t> indem</a:t>
+            </a:r>
+            <a:r>
+              <a:rPr lang="de-DE" sz="1200" baseline="0" dirty="0" smtClean="0">
+                <a:latin typeface="Arial" panose="020B0604020202020204" pitchFamily="34" charset="0"/>
+                <a:cs typeface="Arial" panose="020B0604020202020204" pitchFamily="34" charset="0"/>
+              </a:rPr>
+              <a:t> die einzelnen Phasen klar abgrenzend sind</a:t>
+            </a:r>
+          </a:p>
+          <a:p>
+            <a:r>
+              <a:rPr lang="de-DE" sz="1200" baseline="0" dirty="0" smtClean="0">
+                <a:latin typeface="Arial" panose="020B0604020202020204" pitchFamily="34" charset="0"/>
+                <a:cs typeface="Arial" panose="020B0604020202020204" pitchFamily="34" charset="0"/>
+              </a:rPr>
+              <a:t>Hat zum Vorteile: Kontrollierte Planung , sehr strukturiert, zudem einfach Verständlich </a:t>
+            </a:r>
+            <a:endParaRPr lang="de-DE" sz="1200" dirty="0">
+              <a:latin typeface="Arial" panose="020B0604020202020204" pitchFamily="34" charset="0"/>
+              <a:cs typeface="Arial" panose="020B0604020202020204" pitchFamily="34" charset="0"/>
+            </a:endParaRPr>
           </a:p>
         </p:txBody>
       </p:sp>
@@ -4525,27 +4714,304 @@
           <a:lstStyle/>
           <a:p>
             <a:r>
-              <a:rPr lang="de-DE" dirty="0" smtClean="0"/>
-              <a:t>Fabian </a:t>
-            </a:r>
-            <a:endParaRPr lang="de-DE" dirty="0" smtClean="0">
+              <a:rPr lang="de-DE" sz="1200" dirty="0" smtClean="0">
+                <a:latin typeface="Arial" panose="020B0604020202020204" pitchFamily="34" charset="0"/>
+                <a:cs typeface="Arial" panose="020B0604020202020204" pitchFamily="34" charset="0"/>
+                <a:sym typeface="Wingdings" pitchFamily="2" charset="2"/>
+              </a:rPr>
+              <a:t>Projektplanungsphase</a:t>
+            </a:r>
+            <a:r>
+              <a:rPr lang="de-DE" sz="1200" baseline="0" dirty="0" smtClean="0">
+                <a:latin typeface="Arial" panose="020B0604020202020204" pitchFamily="34" charset="0"/>
+                <a:cs typeface="Arial" panose="020B0604020202020204" pitchFamily="34" charset="0"/>
+                <a:sym typeface="Wingdings" pitchFamily="2" charset="2"/>
+              </a:rPr>
+              <a:t> (Fabian)</a:t>
+            </a:r>
+            <a:endParaRPr lang="de-DE" sz="1200" dirty="0" smtClean="0">
+              <a:latin typeface="Arial" panose="020B0604020202020204" pitchFamily="34" charset="0"/>
+              <a:cs typeface="Arial" panose="020B0604020202020204" pitchFamily="34" charset="0"/>
               <a:sym typeface="Wingdings" pitchFamily="2" charset="2"/>
             </a:endParaRPr>
           </a:p>
           <a:p>
             <a:r>
-              <a:rPr lang="de-DE" dirty="0" smtClean="0">
+              <a:rPr lang="de-DE" sz="1200" baseline="0" dirty="0" smtClean="0">
+                <a:latin typeface="Arial" panose="020B0604020202020204" pitchFamily="34" charset="0"/>
+                <a:cs typeface="Arial" panose="020B0604020202020204" pitchFamily="34" charset="0"/>
                 <a:sym typeface="Wingdings" pitchFamily="2" charset="2"/>
               </a:rPr>
-              <a:t>Erst Projektplanung, dann Durchführung, dann</a:t>
-            </a:r>
-            <a:r>
-              <a:rPr lang="de-DE" baseline="0" dirty="0" smtClean="0">
+              <a:t>Ist- Soll erstellt, Projektstrukturplan, Planungsdokumente erstellt</a:t>
+            </a:r>
+          </a:p>
+          <a:p>
+            <a:r>
+              <a:rPr lang="de-DE" sz="1200" baseline="0" dirty="0" smtClean="0">
+                <a:latin typeface="Arial" panose="020B0604020202020204" pitchFamily="34" charset="0"/>
+                <a:cs typeface="Arial" panose="020B0604020202020204" pitchFamily="34" charset="0"/>
                 <a:sym typeface="Wingdings" pitchFamily="2" charset="2"/>
               </a:rPr>
-              <a:t> Abschluss</a:t>
-            </a:r>
-            <a:endParaRPr lang="de-DE" dirty="0"/>
+              <a:t>Pflichtenheft Parallel zur Projektdurchführung geführt</a:t>
+            </a:r>
+          </a:p>
+          <a:p>
+            <a:pPr marL="0" marR="0" lvl="0" indent="0" algn="l" defTabSz="914400" rtl="0" eaLnBrk="1" fontAlgn="auto" latinLnBrk="0" hangingPunct="1">
+              <a:lnSpc>
+                <a:spcPct val="100000"/>
+              </a:lnSpc>
+              <a:spcBef>
+                <a:spcPts val="0"/>
+              </a:spcBef>
+              <a:spcAft>
+                <a:spcPts val="0"/>
+              </a:spcAft>
+              <a:buClrTx/>
+              <a:buSzTx/>
+              <a:buFontTx/>
+              <a:buNone/>
+              <a:tabLst/>
+              <a:defRPr/>
+            </a:pPr>
+            <a:r>
+              <a:rPr lang="de-DE" sz="1200" baseline="0" dirty="0" smtClean="0">
+                <a:latin typeface="Arial" panose="020B0604020202020204" pitchFamily="34" charset="0"/>
+                <a:cs typeface="Arial" panose="020B0604020202020204" pitchFamily="34" charset="0"/>
+                <a:sym typeface="Wingdings" pitchFamily="2" charset="2"/>
+              </a:rPr>
+              <a:t>Zeitplan, Kostenplan sowie die Testliste nach Codierung durchgeführt</a:t>
+            </a:r>
+          </a:p>
+          <a:p>
+            <a:pPr marL="0" marR="0" lvl="0" indent="0" algn="l" defTabSz="914400" rtl="0" eaLnBrk="1" fontAlgn="auto" latinLnBrk="0" hangingPunct="1">
+              <a:lnSpc>
+                <a:spcPct val="100000"/>
+              </a:lnSpc>
+              <a:spcBef>
+                <a:spcPts val="0"/>
+              </a:spcBef>
+              <a:spcAft>
+                <a:spcPts val="0"/>
+              </a:spcAft>
+              <a:buClrTx/>
+              <a:buSzTx/>
+              <a:buFontTx/>
+              <a:buNone/>
+              <a:tabLst/>
+              <a:defRPr/>
+            </a:pPr>
+            <a:endParaRPr lang="de-DE" sz="1200" baseline="0" dirty="0" smtClean="0">
+              <a:latin typeface="Arial" panose="020B0604020202020204" pitchFamily="34" charset="0"/>
+              <a:cs typeface="Arial" panose="020B0604020202020204" pitchFamily="34" charset="0"/>
+              <a:sym typeface="Wingdings" pitchFamily="2" charset="2"/>
+            </a:endParaRPr>
+          </a:p>
+          <a:p>
+            <a:pPr marL="0" marR="0" lvl="0" indent="0" algn="l" defTabSz="914400" rtl="0" eaLnBrk="1" fontAlgn="auto" latinLnBrk="0" hangingPunct="1">
+              <a:lnSpc>
+                <a:spcPct val="100000"/>
+              </a:lnSpc>
+              <a:spcBef>
+                <a:spcPts val="0"/>
+              </a:spcBef>
+              <a:spcAft>
+                <a:spcPts val="0"/>
+              </a:spcAft>
+              <a:buClrTx/>
+              <a:buSzTx/>
+              <a:buFontTx/>
+              <a:buNone/>
+              <a:tabLst/>
+              <a:defRPr/>
+            </a:pPr>
+            <a:r>
+              <a:rPr lang="de-DE" sz="1200" dirty="0" smtClean="0">
+                <a:latin typeface="Arial" panose="020B0604020202020204" pitchFamily="34" charset="0"/>
+                <a:cs typeface="Arial" panose="020B0604020202020204" pitchFamily="34" charset="0"/>
+                <a:sym typeface="Wingdings" pitchFamily="2" charset="2"/>
+              </a:rPr>
+              <a:t>Projektd</a:t>
+            </a:r>
+            <a:r>
+              <a:rPr lang="de-DE" sz="1200" baseline="0" dirty="0" smtClean="0">
+                <a:latin typeface="Arial" panose="020B0604020202020204" pitchFamily="34" charset="0"/>
+                <a:cs typeface="Arial" panose="020B0604020202020204" pitchFamily="34" charset="0"/>
+                <a:sym typeface="Wingdings" pitchFamily="2" charset="2"/>
+              </a:rPr>
+              <a:t>urchführung:</a:t>
+            </a:r>
+          </a:p>
+          <a:p>
+            <a:pPr marL="0" marR="0" lvl="0" indent="0" algn="l" defTabSz="914400" rtl="0" eaLnBrk="1" fontAlgn="auto" latinLnBrk="0" hangingPunct="1">
+              <a:lnSpc>
+                <a:spcPct val="100000"/>
+              </a:lnSpc>
+              <a:spcBef>
+                <a:spcPts val="0"/>
+              </a:spcBef>
+              <a:spcAft>
+                <a:spcPts val="0"/>
+              </a:spcAft>
+              <a:buClrTx/>
+              <a:buSzTx/>
+              <a:buFontTx/>
+              <a:buNone/>
+              <a:tabLst/>
+              <a:defRPr/>
+            </a:pPr>
+            <a:r>
+              <a:rPr lang="de-DE" sz="1200" baseline="0" dirty="0" smtClean="0">
+                <a:latin typeface="Arial" panose="020B0604020202020204" pitchFamily="34" charset="0"/>
+                <a:cs typeface="Arial" panose="020B0604020202020204" pitchFamily="34" charset="0"/>
+                <a:sym typeface="Wingdings" pitchFamily="2" charset="2"/>
+              </a:rPr>
+              <a:t>Prototyp entwickelt, mit Benutzeroberfläche und den Schaltflächen</a:t>
+            </a:r>
+          </a:p>
+          <a:p>
+            <a:pPr marL="0" marR="0" lvl="0" indent="0" algn="l" defTabSz="914400" rtl="0" eaLnBrk="1" fontAlgn="auto" latinLnBrk="0" hangingPunct="1">
+              <a:lnSpc>
+                <a:spcPct val="100000"/>
+              </a:lnSpc>
+              <a:spcBef>
+                <a:spcPts val="0"/>
+              </a:spcBef>
+              <a:spcAft>
+                <a:spcPts val="0"/>
+              </a:spcAft>
+              <a:buClrTx/>
+              <a:buSzTx/>
+              <a:buFontTx/>
+              <a:buNone/>
+              <a:tabLst/>
+              <a:defRPr/>
+            </a:pPr>
+            <a:r>
+              <a:rPr lang="de-DE" sz="1200" baseline="0" dirty="0" smtClean="0">
+                <a:latin typeface="Arial" panose="020B0604020202020204" pitchFamily="34" charset="0"/>
+                <a:cs typeface="Arial" panose="020B0604020202020204" pitchFamily="34" charset="0"/>
+                <a:sym typeface="Wingdings" pitchFamily="2" charset="2"/>
+              </a:rPr>
+              <a:t>Dazu Datenbank-Skript aufgesetzt, danach Codiert(zwischendurch und am Ende Test durchgeführt)</a:t>
+            </a:r>
+          </a:p>
+          <a:p>
+            <a:pPr marL="0" marR="0" lvl="0" indent="0" algn="l" defTabSz="914400" rtl="0" eaLnBrk="1" fontAlgn="auto" latinLnBrk="0" hangingPunct="1">
+              <a:lnSpc>
+                <a:spcPct val="100000"/>
+              </a:lnSpc>
+              <a:spcBef>
+                <a:spcPts val="0"/>
+              </a:spcBef>
+              <a:spcAft>
+                <a:spcPts val="0"/>
+              </a:spcAft>
+              <a:buClrTx/>
+              <a:buSzTx/>
+              <a:buFontTx/>
+              <a:buNone/>
+              <a:tabLst/>
+              <a:defRPr/>
+            </a:pPr>
+            <a:endParaRPr lang="de-DE" sz="800" baseline="0" dirty="0" smtClean="0">
+              <a:latin typeface="Arial" panose="020B0604020202020204" pitchFamily="34" charset="0"/>
+              <a:cs typeface="Arial" panose="020B0604020202020204" pitchFamily="34" charset="0"/>
+              <a:sym typeface="Wingdings" pitchFamily="2" charset="2"/>
+            </a:endParaRPr>
+          </a:p>
+          <a:p>
+            <a:pPr marL="0" marR="0" lvl="0" indent="0" algn="l" defTabSz="914400" rtl="0" eaLnBrk="1" fontAlgn="auto" latinLnBrk="0" hangingPunct="1">
+              <a:lnSpc>
+                <a:spcPct val="100000"/>
+              </a:lnSpc>
+              <a:spcBef>
+                <a:spcPts val="0"/>
+              </a:spcBef>
+              <a:spcAft>
+                <a:spcPts val="0"/>
+              </a:spcAft>
+              <a:buClrTx/>
+              <a:buSzTx/>
+              <a:buFontTx/>
+              <a:buNone/>
+              <a:tabLst/>
+              <a:defRPr/>
+            </a:pPr>
+            <a:r>
+              <a:rPr lang="de-DE" sz="1200" b="0" baseline="0" dirty="0" smtClean="0">
+                <a:latin typeface="Arial" panose="020B0604020202020204" pitchFamily="34" charset="0"/>
+                <a:cs typeface="Arial" panose="020B0604020202020204" pitchFamily="34" charset="0"/>
+                <a:sym typeface="Wingdings" pitchFamily="2" charset="2"/>
+              </a:rPr>
+              <a:t>Projektabschluss</a:t>
+            </a:r>
+            <a:r>
+              <a:rPr lang="de-DE" sz="1200" baseline="0" dirty="0" smtClean="0">
+                <a:latin typeface="Arial" panose="020B0604020202020204" pitchFamily="34" charset="0"/>
+                <a:cs typeface="Arial" panose="020B0604020202020204" pitchFamily="34" charset="0"/>
+                <a:sym typeface="Wingdings" pitchFamily="2" charset="2"/>
+              </a:rPr>
+              <a:t>:</a:t>
+            </a:r>
+          </a:p>
+          <a:p>
+            <a:pPr marL="0" marR="0" lvl="0" indent="0" algn="l" defTabSz="914400" rtl="0" eaLnBrk="1" fontAlgn="auto" latinLnBrk="0" hangingPunct="1">
+              <a:lnSpc>
+                <a:spcPct val="100000"/>
+              </a:lnSpc>
+              <a:spcBef>
+                <a:spcPts val="0"/>
+              </a:spcBef>
+              <a:spcAft>
+                <a:spcPts val="0"/>
+              </a:spcAft>
+              <a:buClrTx/>
+              <a:buSzTx/>
+              <a:buFontTx/>
+              <a:buNone/>
+              <a:tabLst/>
+              <a:defRPr/>
+            </a:pPr>
+            <a:r>
+              <a:rPr lang="de-DE" sz="1200" baseline="0" dirty="0" smtClean="0">
+                <a:latin typeface="Arial" panose="020B0604020202020204" pitchFamily="34" charset="0"/>
+                <a:cs typeface="Arial" panose="020B0604020202020204" pitchFamily="34" charset="0"/>
+                <a:sym typeface="Wingdings" pitchFamily="2" charset="2"/>
+              </a:rPr>
+              <a:t>Soll-Konzept und Ist-Analyse gegenüber gestellt und verglichen</a:t>
+            </a:r>
+          </a:p>
+          <a:p>
+            <a:pPr marL="0" marR="0" lvl="0" indent="0" algn="l" defTabSz="914400" rtl="0" eaLnBrk="1" fontAlgn="auto" latinLnBrk="0" hangingPunct="1">
+              <a:lnSpc>
+                <a:spcPct val="100000"/>
+              </a:lnSpc>
+              <a:spcBef>
+                <a:spcPts val="0"/>
+              </a:spcBef>
+              <a:spcAft>
+                <a:spcPts val="0"/>
+              </a:spcAft>
+              <a:buClrTx/>
+              <a:buSzTx/>
+              <a:buFontTx/>
+              <a:buNone/>
+              <a:tabLst/>
+              <a:defRPr/>
+            </a:pPr>
+            <a:r>
+              <a:rPr lang="de-DE" sz="1200" baseline="0" dirty="0" smtClean="0">
+                <a:latin typeface="Arial" panose="020B0604020202020204" pitchFamily="34" charset="0"/>
+                <a:cs typeface="Arial" panose="020B0604020202020204" pitchFamily="34" charset="0"/>
+                <a:sym typeface="Wingdings" pitchFamily="2" charset="2"/>
+              </a:rPr>
+              <a:t>Anhand des Planungsdokumente, Pflichtenheft, Diagramme(Zeitplan und Kosten), sowie den Test Projektdokumentation erstellt.</a:t>
+            </a:r>
+            <a:endParaRPr lang="de-DE" sz="1200" baseline="0" dirty="0" smtClean="0">
+              <a:latin typeface="Arial" panose="020B0604020202020204" pitchFamily="34" charset="0"/>
+              <a:cs typeface="Arial" panose="020B0604020202020204" pitchFamily="34" charset="0"/>
+              <a:sym typeface="Wingdings" pitchFamily="2" charset="2"/>
+            </a:endParaRPr>
           </a:p>
         </p:txBody>
       </p:sp>
@@ -4778,7 +5244,7 @@
           <a:p>
             <a:fld id="{45213DDD-1989-4DDD-BD83-3412E83DF3EE}" type="datetimeFigureOut">
               <a:rPr lang="de-DE" smtClean="0"/>
-              <a:t>07.07.2017</a:t>
+              <a:t>11.07.2017</a:t>
             </a:fld>
             <a:endParaRPr lang="de-DE" dirty="0"/>
           </a:p>
@@ -5043,7 +5509,7 @@
           <a:p>
             <a:fld id="{45213DDD-1989-4DDD-BD83-3412E83DF3EE}" type="datetimeFigureOut">
               <a:rPr lang="de-DE" smtClean="0"/>
-              <a:t>07.07.2017</a:t>
+              <a:t>11.07.2017</a:t>
             </a:fld>
             <a:endParaRPr lang="de-DE" dirty="0"/>
           </a:p>
@@ -5218,7 +5684,7 @@
           <a:p>
             <a:fld id="{45213DDD-1989-4DDD-BD83-3412E83DF3EE}" type="datetimeFigureOut">
               <a:rPr lang="de-DE" smtClean="0"/>
-              <a:t>07.07.2017</a:t>
+              <a:t>11.07.2017</a:t>
             </a:fld>
             <a:endParaRPr lang="de-DE" dirty="0"/>
           </a:p>
@@ -5383,7 +5849,7 @@
           <a:p>
             <a:fld id="{45213DDD-1989-4DDD-BD83-3412E83DF3EE}" type="datetimeFigureOut">
               <a:rPr lang="de-DE" smtClean="0"/>
-              <a:t>07.07.2017</a:t>
+              <a:t>11.07.2017</a:t>
             </a:fld>
             <a:endParaRPr lang="de-DE" dirty="0"/>
           </a:p>
@@ -5632,7 +6098,7 @@
           <a:p>
             <a:fld id="{45213DDD-1989-4DDD-BD83-3412E83DF3EE}" type="datetimeFigureOut">
               <a:rPr lang="de-DE" smtClean="0"/>
-              <a:t>07.07.2017</a:t>
+              <a:t>11.07.2017</a:t>
             </a:fld>
             <a:endParaRPr lang="de-DE" dirty="0"/>
           </a:p>
@@ -5915,7 +6381,7 @@
           <a:p>
             <a:fld id="{45213DDD-1989-4DDD-BD83-3412E83DF3EE}" type="datetimeFigureOut">
               <a:rPr lang="de-DE" smtClean="0"/>
-              <a:t>07.07.2017</a:t>
+              <a:t>11.07.2017</a:t>
             </a:fld>
             <a:endParaRPr lang="de-DE" dirty="0"/>
           </a:p>
@@ -6354,7 +6820,7 @@
           <a:p>
             <a:fld id="{45213DDD-1989-4DDD-BD83-3412E83DF3EE}" type="datetimeFigureOut">
               <a:rPr lang="de-DE" smtClean="0"/>
-              <a:t>07.07.2017</a:t>
+              <a:t>11.07.2017</a:t>
             </a:fld>
             <a:endParaRPr lang="de-DE" dirty="0"/>
           </a:p>
@@ -6467,7 +6933,7 @@
           <a:p>
             <a:fld id="{45213DDD-1989-4DDD-BD83-3412E83DF3EE}" type="datetimeFigureOut">
               <a:rPr lang="de-DE" smtClean="0"/>
-              <a:t>07.07.2017</a:t>
+              <a:t>11.07.2017</a:t>
             </a:fld>
             <a:endParaRPr lang="de-DE" dirty="0"/>
           </a:p>
@@ -6557,7 +7023,7 @@
           <a:p>
             <a:fld id="{45213DDD-1989-4DDD-BD83-3412E83DF3EE}" type="datetimeFigureOut">
               <a:rPr lang="de-DE" smtClean="0"/>
-              <a:t>07.07.2017</a:t>
+              <a:t>11.07.2017</a:t>
             </a:fld>
             <a:endParaRPr lang="de-DE" dirty="0"/>
           </a:p>
@@ -6799,7 +7265,7 @@
           <a:p>
             <a:fld id="{45213DDD-1989-4DDD-BD83-3412E83DF3EE}" type="datetimeFigureOut">
               <a:rPr lang="de-DE" smtClean="0"/>
-              <a:t>07.07.2017</a:t>
+              <a:t>11.07.2017</a:t>
             </a:fld>
             <a:endParaRPr lang="de-DE" dirty="0"/>
           </a:p>
@@ -7093,7 +7559,7 @@
           <a:p>
             <a:fld id="{45213DDD-1989-4DDD-BD83-3412E83DF3EE}" type="datetimeFigureOut">
               <a:rPr lang="de-DE" smtClean="0"/>
-              <a:t>07.07.2017</a:t>
+              <a:t>11.07.2017</a:t>
             </a:fld>
             <a:endParaRPr lang="de-DE" dirty="0"/>
           </a:p>
@@ -7387,7 +7853,7 @@
           <a:p>
             <a:fld id="{45213DDD-1989-4DDD-BD83-3412E83DF3EE}" type="datetimeFigureOut">
               <a:rPr lang="de-DE" smtClean="0"/>
-              <a:t>07.07.2017</a:t>
+              <a:t>11.07.2017</a:t>
             </a:fld>
             <a:endParaRPr lang="de-DE" dirty="0"/>
           </a:p>
